--- a/判定表示クラスの体系.pptx
+++ b/判定表示クラスの体系.pptx
@@ -104,6 +104,11 @@
       </a:defRPr>
     </a:lvl9pPr>
   </p:defaultTextStyle>
+  <p:extLst>
+    <p:ext uri="{EFAFB233-063F-42B5-8137-9DF3F51BA10A}">
+      <p15:sldGuideLst xmlns:p15="http://schemas.microsoft.com/office/powerpoint/2012/main"/>
+    </p:ext>
+  </p:extLst>
 </p:presentation>
 </file>
 
@@ -254,7 +259,7 @@
           <a:p>
             <a:fld id="{60E4EA10-531E-46FA-8EBD-57B033F0FCB6}" type="datetimeFigureOut">
               <a:rPr kumimoji="1" lang="ja-JP" altLang="en-US" smtClean="0"/>
-              <a:t>2024/11/11</a:t>
+              <a:t>2024/11/12</a:t>
             </a:fld>
             <a:endParaRPr kumimoji="1" lang="ja-JP" altLang="en-US"/>
           </a:p>
@@ -484,7 +489,7 @@
           <a:p>
             <a:fld id="{60E4EA10-531E-46FA-8EBD-57B033F0FCB6}" type="datetimeFigureOut">
               <a:rPr kumimoji="1" lang="ja-JP" altLang="en-US" smtClean="0"/>
-              <a:t>2024/11/11</a:t>
+              <a:t>2024/11/12</a:t>
             </a:fld>
             <a:endParaRPr kumimoji="1" lang="ja-JP" altLang="en-US"/>
           </a:p>
@@ -724,7 +729,7 @@
           <a:p>
             <a:fld id="{60E4EA10-531E-46FA-8EBD-57B033F0FCB6}" type="datetimeFigureOut">
               <a:rPr kumimoji="1" lang="ja-JP" altLang="en-US" smtClean="0"/>
-              <a:t>2024/11/11</a:t>
+              <a:t>2024/11/12</a:t>
             </a:fld>
             <a:endParaRPr kumimoji="1" lang="ja-JP" altLang="en-US"/>
           </a:p>
@@ -954,7 +959,7 @@
           <a:p>
             <a:fld id="{60E4EA10-531E-46FA-8EBD-57B033F0FCB6}" type="datetimeFigureOut">
               <a:rPr kumimoji="1" lang="ja-JP" altLang="en-US" smtClean="0"/>
-              <a:t>2024/11/11</a:t>
+              <a:t>2024/11/12</a:t>
             </a:fld>
             <a:endParaRPr kumimoji="1" lang="ja-JP" altLang="en-US"/>
           </a:p>
@@ -1229,7 +1234,7 @@
           <a:p>
             <a:fld id="{60E4EA10-531E-46FA-8EBD-57B033F0FCB6}" type="datetimeFigureOut">
               <a:rPr kumimoji="1" lang="ja-JP" altLang="en-US" smtClean="0"/>
-              <a:t>2024/11/11</a:t>
+              <a:t>2024/11/12</a:t>
             </a:fld>
             <a:endParaRPr kumimoji="1" lang="ja-JP" altLang="en-US"/>
           </a:p>
@@ -1558,7 +1563,7 @@
           <a:p>
             <a:fld id="{60E4EA10-531E-46FA-8EBD-57B033F0FCB6}" type="datetimeFigureOut">
               <a:rPr kumimoji="1" lang="ja-JP" altLang="en-US" smtClean="0"/>
-              <a:t>2024/11/11</a:t>
+              <a:t>2024/11/12</a:t>
             </a:fld>
             <a:endParaRPr kumimoji="1" lang="ja-JP" altLang="en-US"/>
           </a:p>
@@ -2034,7 +2039,7 @@
           <a:p>
             <a:fld id="{60E4EA10-531E-46FA-8EBD-57B033F0FCB6}" type="datetimeFigureOut">
               <a:rPr kumimoji="1" lang="ja-JP" altLang="en-US" smtClean="0"/>
-              <a:t>2024/11/11</a:t>
+              <a:t>2024/11/12</a:t>
             </a:fld>
             <a:endParaRPr kumimoji="1" lang="ja-JP" altLang="en-US"/>
           </a:p>
@@ -2175,7 +2180,7 @@
           <a:p>
             <a:fld id="{60E4EA10-531E-46FA-8EBD-57B033F0FCB6}" type="datetimeFigureOut">
               <a:rPr kumimoji="1" lang="ja-JP" altLang="en-US" smtClean="0"/>
-              <a:t>2024/11/11</a:t>
+              <a:t>2024/11/12</a:t>
             </a:fld>
             <a:endParaRPr kumimoji="1" lang="ja-JP" altLang="en-US"/>
           </a:p>
@@ -2288,7 +2293,7 @@
           <a:p>
             <a:fld id="{60E4EA10-531E-46FA-8EBD-57B033F0FCB6}" type="datetimeFigureOut">
               <a:rPr kumimoji="1" lang="ja-JP" altLang="en-US" smtClean="0"/>
-              <a:t>2024/11/11</a:t>
+              <a:t>2024/11/12</a:t>
             </a:fld>
             <a:endParaRPr kumimoji="1" lang="ja-JP" altLang="en-US"/>
           </a:p>
@@ -2631,7 +2636,7 @@
           <a:p>
             <a:fld id="{60E4EA10-531E-46FA-8EBD-57B033F0FCB6}" type="datetimeFigureOut">
               <a:rPr kumimoji="1" lang="ja-JP" altLang="en-US" smtClean="0"/>
-              <a:t>2024/11/11</a:t>
+              <a:t>2024/11/12</a:t>
             </a:fld>
             <a:endParaRPr kumimoji="1" lang="ja-JP" altLang="en-US"/>
           </a:p>
@@ -2919,7 +2924,7 @@
           <a:p>
             <a:fld id="{60E4EA10-531E-46FA-8EBD-57B033F0FCB6}" type="datetimeFigureOut">
               <a:rPr kumimoji="1" lang="ja-JP" altLang="en-US" smtClean="0"/>
-              <a:t>2024/11/11</a:t>
+              <a:t>2024/11/12</a:t>
             </a:fld>
             <a:endParaRPr kumimoji="1" lang="ja-JP" altLang="en-US"/>
           </a:p>
@@ -3192,7 +3197,7 @@
           <a:p>
             <a:fld id="{60E4EA10-531E-46FA-8EBD-57B033F0FCB6}" type="datetimeFigureOut">
               <a:rPr kumimoji="1" lang="ja-JP" altLang="en-US" smtClean="0"/>
-              <a:t>2024/11/11</a:t>
+              <a:t>2024/11/12</a:t>
             </a:fld>
             <a:endParaRPr kumimoji="1" lang="ja-JP" altLang="en-US"/>
           </a:p>
@@ -6308,6 +6313,124 @@
           </a:p>
         </p:txBody>
       </p:sp>
+      <p:sp>
+        <p:nvSpPr>
+          <p:cNvPr id="2" name="テキスト ボックス 1">
+            <a:extLst>
+              <a:ext uri="{FF2B5EF4-FFF2-40B4-BE49-F238E27FC236}">
+                <a16:creationId xmlns:a16="http://schemas.microsoft.com/office/drawing/2014/main" id="{B751A8DB-0D8E-400E-A6CA-CF1413C4C55E}"/>
+              </a:ext>
+            </a:extLst>
+          </p:cNvPr>
+          <p:cNvSpPr txBox="1"/>
+          <p:nvPr/>
+        </p:nvSpPr>
+        <p:spPr>
+          <a:xfrm>
+            <a:off x="8434727" y="668518"/>
+            <a:ext cx="1415772" cy="830997"/>
+          </a:xfrm>
+          <a:prstGeom prst="rect">
+            <a:avLst/>
+          </a:prstGeom>
+          <a:noFill/>
+        </p:spPr>
+        <p:txBody>
+          <a:bodyPr wrap="none" rtlCol="0">
+            <a:spAutoFit/>
+          </a:bodyPr>
+          <a:lstStyle/>
+          <a:p>
+            <a:r>
+              <a:rPr lang="ja-JP" altLang="en-US" sz="1200" dirty="0"/>
+              <a:t>バウンディングは</a:t>
+            </a:r>
+            <a:endParaRPr lang="en-US" altLang="ja-JP" sz="1200" dirty="0"/>
+          </a:p>
+          <a:p>
+            <a:r>
+              <a:rPr lang="ja-JP" altLang="en-US" sz="1200" dirty="0"/>
+              <a:t>ここで</a:t>
+            </a:r>
+            <a:r>
+              <a:rPr lang="en-US" altLang="ja-JP" sz="1200" dirty="0"/>
+              <a:t>new</a:t>
+            </a:r>
+            <a:r>
+              <a:rPr lang="ja-JP" altLang="en-US" sz="1200" dirty="0"/>
+              <a:t>を行う</a:t>
+            </a:r>
+            <a:endParaRPr lang="en-US" altLang="ja-JP" sz="1200" dirty="0"/>
+          </a:p>
+          <a:p>
+            <a:r>
+              <a:rPr kumimoji="1" lang="ja-JP" altLang="en-US" sz="1200" dirty="0"/>
+              <a:t>必ず</a:t>
+            </a:r>
+            <a:r>
+              <a:rPr kumimoji="1" lang="en-US" altLang="ja-JP" sz="1200" dirty="0"/>
+              <a:t>delete</a:t>
+            </a:r>
+            <a:r>
+              <a:rPr kumimoji="1" lang="ja-JP" altLang="en-US" sz="1200" dirty="0"/>
+              <a:t>を</a:t>
+            </a:r>
+            <a:endParaRPr kumimoji="1" lang="en-US" altLang="ja-JP" sz="1200" dirty="0"/>
+          </a:p>
+          <a:p>
+            <a:r>
+              <a:rPr kumimoji="1" lang="ja-JP" altLang="en-US" sz="1200" dirty="0"/>
+              <a:t>忘れないように</a:t>
+            </a:r>
+          </a:p>
+        </p:txBody>
+      </p:sp>
+      <p:cxnSp>
+        <p:nvCxnSpPr>
+          <p:cNvPr id="14" name="直線コネクタ 13">
+            <a:extLst>
+              <a:ext uri="{FF2B5EF4-FFF2-40B4-BE49-F238E27FC236}">
+                <a16:creationId xmlns:a16="http://schemas.microsoft.com/office/drawing/2014/main" id="{C0626A75-ADC7-4089-B1C0-CFAACC9DC5CA}"/>
+              </a:ext>
+            </a:extLst>
+          </p:cNvPr>
+          <p:cNvCxnSpPr>
+            <a:cxnSpLocks/>
+          </p:cNvCxnSpPr>
+          <p:nvPr/>
+        </p:nvCxnSpPr>
+        <p:spPr>
+          <a:xfrm>
+            <a:off x="9411230" y="1615769"/>
+            <a:ext cx="757084" cy="655019"/>
+          </a:xfrm>
+          <a:prstGeom prst="line">
+            <a:avLst/>
+          </a:prstGeom>
+          <a:ln w="76200"/>
+          <a:effectLst>
+            <a:glow rad="101600">
+              <a:schemeClr val="tx1">
+                <a:alpha val="60000"/>
+              </a:schemeClr>
+            </a:glow>
+          </a:effectLst>
+        </p:spPr>
+        <p:style>
+          <a:lnRef idx="3">
+            <a:schemeClr val="accent4"/>
+          </a:lnRef>
+          <a:fillRef idx="0">
+            <a:schemeClr val="accent4"/>
+          </a:fillRef>
+          <a:effectRef idx="2">
+            <a:schemeClr val="accent4"/>
+          </a:effectRef>
+          <a:fontRef idx="minor">
+            <a:schemeClr val="tx1"/>
+          </a:fontRef>
+        </p:style>
+      </p:cxnSp>
     </p:spTree>
     <p:extLst>
       <p:ext uri="{BB962C8B-B14F-4D97-AF65-F5344CB8AC3E}">
